--- a/DS3/AUTOR DA VIDA.pptx
+++ b/DS3/AUTOR DA VIDA.pptx
@@ -162,10 +162,9 @@
           </a:lstStyle>
           <a:p>
             <a:r>
-              <a:rPr lang="pt-BR" smtClean="0"/>
+              <a:rPr lang="pt-BR"/>
               <a:t>Clique para editar o título mestre</a:t>
             </a:r>
-            <a:endParaRPr lang="pt-BR"/>
           </a:p>
         </p:txBody>
       </p:sp>
@@ -227,10 +226,9 @@
           </a:lstStyle>
           <a:p>
             <a:r>
-              <a:rPr lang="pt-BR" smtClean="0"/>
+              <a:rPr lang="pt-BR"/>
               <a:t>Clique para editar o estilo do subtítulo Mestre</a:t>
             </a:r>
-            <a:endParaRPr lang="pt-BR"/>
           </a:p>
         </p:txBody>
       </p:sp>
@@ -251,7 +249,7 @@
           <a:p>
             <a:fld id="{8B31FE20-8E67-4551-B1EA-E1922B42A83B}" type="datetimeFigureOut">
               <a:rPr lang="pt-BR" smtClean="0"/>
-              <a:t>03/04/2022</a:t>
+              <a:t>29/10/2023</a:t>
             </a:fld>
             <a:endParaRPr lang="pt-BR"/>
           </a:p>
@@ -345,10 +343,9 @@
           <a:lstStyle/>
           <a:p>
             <a:r>
-              <a:rPr lang="pt-BR" smtClean="0"/>
+              <a:rPr lang="pt-BR"/>
               <a:t>Clique para editar o título mestre</a:t>
             </a:r>
-            <a:endParaRPr lang="pt-BR"/>
           </a:p>
         </p:txBody>
       </p:sp>
@@ -369,38 +366,37 @@
           <a:p>
             <a:pPr lvl="0"/>
             <a:r>
-              <a:rPr lang="pt-BR" smtClean="0"/>
+              <a:rPr lang="pt-BR"/>
               <a:t>Editar estilos de texto Mestre</a:t>
             </a:r>
           </a:p>
           <a:p>
             <a:pPr lvl="1"/>
             <a:r>
-              <a:rPr lang="pt-BR" smtClean="0"/>
+              <a:rPr lang="pt-BR"/>
               <a:t>Segundo nível</a:t>
             </a:r>
           </a:p>
           <a:p>
             <a:pPr lvl="2"/>
             <a:r>
-              <a:rPr lang="pt-BR" smtClean="0"/>
+              <a:rPr lang="pt-BR"/>
               <a:t>Terceiro nível</a:t>
             </a:r>
           </a:p>
           <a:p>
             <a:pPr lvl="3"/>
             <a:r>
-              <a:rPr lang="pt-BR" smtClean="0"/>
+              <a:rPr lang="pt-BR"/>
               <a:t>Quarto nível</a:t>
             </a:r>
           </a:p>
           <a:p>
             <a:pPr lvl="4"/>
             <a:r>
-              <a:rPr lang="pt-BR" smtClean="0"/>
+              <a:rPr lang="pt-BR"/>
               <a:t>Quinto nível</a:t>
             </a:r>
-            <a:endParaRPr lang="pt-BR"/>
           </a:p>
         </p:txBody>
       </p:sp>
@@ -421,7 +417,7 @@
           <a:p>
             <a:fld id="{8B31FE20-8E67-4551-B1EA-E1922B42A83B}" type="datetimeFigureOut">
               <a:rPr lang="pt-BR" smtClean="0"/>
-              <a:t>03/04/2022</a:t>
+              <a:t>29/10/2023</a:t>
             </a:fld>
             <a:endParaRPr lang="pt-BR"/>
           </a:p>
@@ -520,10 +516,9 @@
           <a:lstStyle/>
           <a:p>
             <a:r>
-              <a:rPr lang="pt-BR" smtClean="0"/>
+              <a:rPr lang="pt-BR"/>
               <a:t>Clique para editar o título mestre</a:t>
             </a:r>
-            <a:endParaRPr lang="pt-BR"/>
           </a:p>
         </p:txBody>
       </p:sp>
@@ -549,38 +544,37 @@
           <a:p>
             <a:pPr lvl="0"/>
             <a:r>
-              <a:rPr lang="pt-BR" smtClean="0"/>
+              <a:rPr lang="pt-BR"/>
               <a:t>Editar estilos de texto Mestre</a:t>
             </a:r>
           </a:p>
           <a:p>
             <a:pPr lvl="1"/>
             <a:r>
-              <a:rPr lang="pt-BR" smtClean="0"/>
+              <a:rPr lang="pt-BR"/>
               <a:t>Segundo nível</a:t>
             </a:r>
           </a:p>
           <a:p>
             <a:pPr lvl="2"/>
             <a:r>
-              <a:rPr lang="pt-BR" smtClean="0"/>
+              <a:rPr lang="pt-BR"/>
               <a:t>Terceiro nível</a:t>
             </a:r>
           </a:p>
           <a:p>
             <a:pPr lvl="3"/>
             <a:r>
-              <a:rPr lang="pt-BR" smtClean="0"/>
+              <a:rPr lang="pt-BR"/>
               <a:t>Quarto nível</a:t>
             </a:r>
           </a:p>
           <a:p>
             <a:pPr lvl="4"/>
             <a:r>
-              <a:rPr lang="pt-BR" smtClean="0"/>
+              <a:rPr lang="pt-BR"/>
               <a:t>Quinto nível</a:t>
             </a:r>
-            <a:endParaRPr lang="pt-BR"/>
           </a:p>
         </p:txBody>
       </p:sp>
@@ -601,7 +595,7 @@
           <a:p>
             <a:fld id="{8B31FE20-8E67-4551-B1EA-E1922B42A83B}" type="datetimeFigureOut">
               <a:rPr lang="pt-BR" smtClean="0"/>
-              <a:t>03/04/2022</a:t>
+              <a:t>29/10/2023</a:t>
             </a:fld>
             <a:endParaRPr lang="pt-BR"/>
           </a:p>
@@ -695,10 +689,9 @@
           <a:lstStyle/>
           <a:p>
             <a:r>
-              <a:rPr lang="pt-BR" smtClean="0"/>
+              <a:rPr lang="pt-BR"/>
               <a:t>Clique para editar o título mestre</a:t>
             </a:r>
-            <a:endParaRPr lang="pt-BR"/>
           </a:p>
         </p:txBody>
       </p:sp>
@@ -719,38 +712,37 @@
           <a:p>
             <a:pPr lvl="0"/>
             <a:r>
-              <a:rPr lang="pt-BR" smtClean="0"/>
+              <a:rPr lang="pt-BR"/>
               <a:t>Editar estilos de texto Mestre</a:t>
             </a:r>
           </a:p>
           <a:p>
             <a:pPr lvl="1"/>
             <a:r>
-              <a:rPr lang="pt-BR" smtClean="0"/>
+              <a:rPr lang="pt-BR"/>
               <a:t>Segundo nível</a:t>
             </a:r>
           </a:p>
           <a:p>
             <a:pPr lvl="2"/>
             <a:r>
-              <a:rPr lang="pt-BR" smtClean="0"/>
+              <a:rPr lang="pt-BR"/>
               <a:t>Terceiro nível</a:t>
             </a:r>
           </a:p>
           <a:p>
             <a:pPr lvl="3"/>
             <a:r>
-              <a:rPr lang="pt-BR" smtClean="0"/>
+              <a:rPr lang="pt-BR"/>
               <a:t>Quarto nível</a:t>
             </a:r>
           </a:p>
           <a:p>
             <a:pPr lvl="4"/>
             <a:r>
-              <a:rPr lang="pt-BR" smtClean="0"/>
+              <a:rPr lang="pt-BR"/>
               <a:t>Quinto nível</a:t>
             </a:r>
-            <a:endParaRPr lang="pt-BR"/>
           </a:p>
         </p:txBody>
       </p:sp>
@@ -771,7 +763,7 @@
           <a:p>
             <a:fld id="{8B31FE20-8E67-4551-B1EA-E1922B42A83B}" type="datetimeFigureOut">
               <a:rPr lang="pt-BR" smtClean="0"/>
-              <a:t>03/04/2022</a:t>
+              <a:t>29/10/2023</a:t>
             </a:fld>
             <a:endParaRPr lang="pt-BR"/>
           </a:p>
@@ -874,10 +866,9 @@
           </a:lstStyle>
           <a:p>
             <a:r>
-              <a:rPr lang="pt-BR" smtClean="0"/>
+              <a:rPr lang="pt-BR"/>
               <a:t>Clique para editar o título mestre</a:t>
             </a:r>
-            <a:endParaRPr lang="pt-BR"/>
           </a:p>
         </p:txBody>
       </p:sp>
@@ -994,7 +985,7 @@
           <a:p>
             <a:pPr lvl="0"/>
             <a:r>
-              <a:rPr lang="pt-BR" smtClean="0"/>
+              <a:rPr lang="pt-BR"/>
               <a:t>Editar estilos de texto Mestre</a:t>
             </a:r>
           </a:p>
@@ -1017,7 +1008,7 @@
           <a:p>
             <a:fld id="{8B31FE20-8E67-4551-B1EA-E1922B42A83B}" type="datetimeFigureOut">
               <a:rPr lang="pt-BR" smtClean="0"/>
-              <a:t>03/04/2022</a:t>
+              <a:t>29/10/2023</a:t>
             </a:fld>
             <a:endParaRPr lang="pt-BR"/>
           </a:p>
@@ -1111,10 +1102,9 @@
           <a:lstStyle/>
           <a:p>
             <a:r>
-              <a:rPr lang="pt-BR" smtClean="0"/>
+              <a:rPr lang="pt-BR"/>
               <a:t>Clique para editar o título mestre</a:t>
             </a:r>
-            <a:endParaRPr lang="pt-BR"/>
           </a:p>
         </p:txBody>
       </p:sp>
@@ -1140,38 +1130,37 @@
           <a:p>
             <a:pPr lvl="0"/>
             <a:r>
-              <a:rPr lang="pt-BR" smtClean="0"/>
+              <a:rPr lang="pt-BR"/>
               <a:t>Editar estilos de texto Mestre</a:t>
             </a:r>
           </a:p>
           <a:p>
             <a:pPr lvl="1"/>
             <a:r>
-              <a:rPr lang="pt-BR" smtClean="0"/>
+              <a:rPr lang="pt-BR"/>
               <a:t>Segundo nível</a:t>
             </a:r>
           </a:p>
           <a:p>
             <a:pPr lvl="2"/>
             <a:r>
-              <a:rPr lang="pt-BR" smtClean="0"/>
+              <a:rPr lang="pt-BR"/>
               <a:t>Terceiro nível</a:t>
             </a:r>
           </a:p>
           <a:p>
             <a:pPr lvl="3"/>
             <a:r>
-              <a:rPr lang="pt-BR" smtClean="0"/>
+              <a:rPr lang="pt-BR"/>
               <a:t>Quarto nível</a:t>
             </a:r>
           </a:p>
           <a:p>
             <a:pPr lvl="4"/>
             <a:r>
-              <a:rPr lang="pt-BR" smtClean="0"/>
+              <a:rPr lang="pt-BR"/>
               <a:t>Quinto nível</a:t>
             </a:r>
-            <a:endParaRPr lang="pt-BR"/>
           </a:p>
         </p:txBody>
       </p:sp>
@@ -1197,38 +1186,37 @@
           <a:p>
             <a:pPr lvl="0"/>
             <a:r>
-              <a:rPr lang="pt-BR" smtClean="0"/>
+              <a:rPr lang="pt-BR"/>
               <a:t>Editar estilos de texto Mestre</a:t>
             </a:r>
           </a:p>
           <a:p>
             <a:pPr lvl="1"/>
             <a:r>
-              <a:rPr lang="pt-BR" smtClean="0"/>
+              <a:rPr lang="pt-BR"/>
               <a:t>Segundo nível</a:t>
             </a:r>
           </a:p>
           <a:p>
             <a:pPr lvl="2"/>
             <a:r>
-              <a:rPr lang="pt-BR" smtClean="0"/>
+              <a:rPr lang="pt-BR"/>
               <a:t>Terceiro nível</a:t>
             </a:r>
           </a:p>
           <a:p>
             <a:pPr lvl="3"/>
             <a:r>
-              <a:rPr lang="pt-BR" smtClean="0"/>
+              <a:rPr lang="pt-BR"/>
               <a:t>Quarto nível</a:t>
             </a:r>
           </a:p>
           <a:p>
             <a:pPr lvl="4"/>
             <a:r>
-              <a:rPr lang="pt-BR" smtClean="0"/>
+              <a:rPr lang="pt-BR"/>
               <a:t>Quinto nível</a:t>
             </a:r>
-            <a:endParaRPr lang="pt-BR"/>
           </a:p>
         </p:txBody>
       </p:sp>
@@ -1249,7 +1237,7 @@
           <a:p>
             <a:fld id="{8B31FE20-8E67-4551-B1EA-E1922B42A83B}" type="datetimeFigureOut">
               <a:rPr lang="pt-BR" smtClean="0"/>
-              <a:t>03/04/2022</a:t>
+              <a:t>29/10/2023</a:t>
             </a:fld>
             <a:endParaRPr lang="pt-BR"/>
           </a:p>
@@ -1348,10 +1336,9 @@
           <a:lstStyle/>
           <a:p>
             <a:r>
-              <a:rPr lang="pt-BR" smtClean="0"/>
+              <a:rPr lang="pt-BR"/>
               <a:t>Clique para editar o título mestre</a:t>
             </a:r>
-            <a:endParaRPr lang="pt-BR"/>
           </a:p>
         </p:txBody>
       </p:sp>
@@ -1414,7 +1401,7 @@
           <a:p>
             <a:pPr lvl="0"/>
             <a:r>
-              <a:rPr lang="pt-BR" smtClean="0"/>
+              <a:rPr lang="pt-BR"/>
               <a:t>Editar estilos de texto Mestre</a:t>
             </a:r>
           </a:p>
@@ -1442,38 +1429,37 @@
           <a:p>
             <a:pPr lvl="0"/>
             <a:r>
-              <a:rPr lang="pt-BR" smtClean="0"/>
+              <a:rPr lang="pt-BR"/>
               <a:t>Editar estilos de texto Mestre</a:t>
             </a:r>
           </a:p>
           <a:p>
             <a:pPr lvl="1"/>
             <a:r>
-              <a:rPr lang="pt-BR" smtClean="0"/>
+              <a:rPr lang="pt-BR"/>
               <a:t>Segundo nível</a:t>
             </a:r>
           </a:p>
           <a:p>
             <a:pPr lvl="2"/>
             <a:r>
-              <a:rPr lang="pt-BR" smtClean="0"/>
+              <a:rPr lang="pt-BR"/>
               <a:t>Terceiro nível</a:t>
             </a:r>
           </a:p>
           <a:p>
             <a:pPr lvl="3"/>
             <a:r>
-              <a:rPr lang="pt-BR" smtClean="0"/>
+              <a:rPr lang="pt-BR"/>
               <a:t>Quarto nível</a:t>
             </a:r>
           </a:p>
           <a:p>
             <a:pPr lvl="4"/>
             <a:r>
-              <a:rPr lang="pt-BR" smtClean="0"/>
+              <a:rPr lang="pt-BR"/>
               <a:t>Quinto nível</a:t>
             </a:r>
-            <a:endParaRPr lang="pt-BR"/>
           </a:p>
         </p:txBody>
       </p:sp>
@@ -1536,7 +1522,7 @@
           <a:p>
             <a:pPr lvl="0"/>
             <a:r>
-              <a:rPr lang="pt-BR" smtClean="0"/>
+              <a:rPr lang="pt-BR"/>
               <a:t>Editar estilos de texto Mestre</a:t>
             </a:r>
           </a:p>
@@ -1564,38 +1550,37 @@
           <a:p>
             <a:pPr lvl="0"/>
             <a:r>
-              <a:rPr lang="pt-BR" smtClean="0"/>
+              <a:rPr lang="pt-BR"/>
               <a:t>Editar estilos de texto Mestre</a:t>
             </a:r>
           </a:p>
           <a:p>
             <a:pPr lvl="1"/>
             <a:r>
-              <a:rPr lang="pt-BR" smtClean="0"/>
+              <a:rPr lang="pt-BR"/>
               <a:t>Segundo nível</a:t>
             </a:r>
           </a:p>
           <a:p>
             <a:pPr lvl="2"/>
             <a:r>
-              <a:rPr lang="pt-BR" smtClean="0"/>
+              <a:rPr lang="pt-BR"/>
               <a:t>Terceiro nível</a:t>
             </a:r>
           </a:p>
           <a:p>
             <a:pPr lvl="3"/>
             <a:r>
-              <a:rPr lang="pt-BR" smtClean="0"/>
+              <a:rPr lang="pt-BR"/>
               <a:t>Quarto nível</a:t>
             </a:r>
           </a:p>
           <a:p>
             <a:pPr lvl="4"/>
             <a:r>
-              <a:rPr lang="pt-BR" smtClean="0"/>
+              <a:rPr lang="pt-BR"/>
               <a:t>Quinto nível</a:t>
             </a:r>
-            <a:endParaRPr lang="pt-BR"/>
           </a:p>
         </p:txBody>
       </p:sp>
@@ -1616,7 +1601,7 @@
           <a:p>
             <a:fld id="{8B31FE20-8E67-4551-B1EA-E1922B42A83B}" type="datetimeFigureOut">
               <a:rPr lang="pt-BR" smtClean="0"/>
-              <a:t>03/04/2022</a:t>
+              <a:t>29/10/2023</a:t>
             </a:fld>
             <a:endParaRPr lang="pt-BR"/>
           </a:p>
@@ -1710,10 +1695,9 @@
           <a:lstStyle/>
           <a:p>
             <a:r>
-              <a:rPr lang="pt-BR" smtClean="0"/>
+              <a:rPr lang="pt-BR"/>
               <a:t>Clique para editar o título mestre</a:t>
             </a:r>
-            <a:endParaRPr lang="pt-BR"/>
           </a:p>
         </p:txBody>
       </p:sp>
@@ -1734,7 +1718,7 @@
           <a:p>
             <a:fld id="{8B31FE20-8E67-4551-B1EA-E1922B42A83B}" type="datetimeFigureOut">
               <a:rPr lang="pt-BR" smtClean="0"/>
-              <a:t>03/04/2022</a:t>
+              <a:t>29/10/2023</a:t>
             </a:fld>
             <a:endParaRPr lang="pt-BR"/>
           </a:p>
@@ -1829,7 +1813,7 @@
           <a:p>
             <a:fld id="{8B31FE20-8E67-4551-B1EA-E1922B42A83B}" type="datetimeFigureOut">
               <a:rPr lang="pt-BR" smtClean="0"/>
-              <a:t>03/04/2022</a:t>
+              <a:t>29/10/2023</a:t>
             </a:fld>
             <a:endParaRPr lang="pt-BR"/>
           </a:p>
@@ -1932,10 +1916,9 @@
           </a:lstStyle>
           <a:p>
             <a:r>
-              <a:rPr lang="pt-BR" smtClean="0"/>
+              <a:rPr lang="pt-BR"/>
               <a:t>Clique para editar o título mestre</a:t>
             </a:r>
-            <a:endParaRPr lang="pt-BR"/>
           </a:p>
         </p:txBody>
       </p:sp>
@@ -1989,38 +1972,37 @@
           <a:p>
             <a:pPr lvl="0"/>
             <a:r>
-              <a:rPr lang="pt-BR" smtClean="0"/>
+              <a:rPr lang="pt-BR"/>
               <a:t>Editar estilos de texto Mestre</a:t>
             </a:r>
           </a:p>
           <a:p>
             <a:pPr lvl="1"/>
             <a:r>
-              <a:rPr lang="pt-BR" smtClean="0"/>
+              <a:rPr lang="pt-BR"/>
               <a:t>Segundo nível</a:t>
             </a:r>
           </a:p>
           <a:p>
             <a:pPr lvl="2"/>
             <a:r>
-              <a:rPr lang="pt-BR" smtClean="0"/>
+              <a:rPr lang="pt-BR"/>
               <a:t>Terceiro nível</a:t>
             </a:r>
           </a:p>
           <a:p>
             <a:pPr lvl="3"/>
             <a:r>
-              <a:rPr lang="pt-BR" smtClean="0"/>
+              <a:rPr lang="pt-BR"/>
               <a:t>Quarto nível</a:t>
             </a:r>
           </a:p>
           <a:p>
             <a:pPr lvl="4"/>
             <a:r>
-              <a:rPr lang="pt-BR" smtClean="0"/>
+              <a:rPr lang="pt-BR"/>
               <a:t>Quinto nível</a:t>
             </a:r>
-            <a:endParaRPr lang="pt-BR"/>
           </a:p>
         </p:txBody>
       </p:sp>
@@ -2083,7 +2065,7 @@
           <a:p>
             <a:pPr lvl="0"/>
             <a:r>
-              <a:rPr lang="pt-BR" smtClean="0"/>
+              <a:rPr lang="pt-BR"/>
               <a:t>Editar estilos de texto Mestre</a:t>
             </a:r>
           </a:p>
@@ -2106,7 +2088,7 @@
           <a:p>
             <a:fld id="{8B31FE20-8E67-4551-B1EA-E1922B42A83B}" type="datetimeFigureOut">
               <a:rPr lang="pt-BR" smtClean="0"/>
-              <a:t>03/04/2022</a:t>
+              <a:t>29/10/2023</a:t>
             </a:fld>
             <a:endParaRPr lang="pt-BR"/>
           </a:p>
@@ -2209,10 +2191,9 @@
           </a:lstStyle>
           <a:p>
             <a:r>
-              <a:rPr lang="pt-BR" smtClean="0"/>
+              <a:rPr lang="pt-BR"/>
               <a:t>Clique para editar o título mestre</a:t>
             </a:r>
-            <a:endParaRPr lang="pt-BR"/>
           </a:p>
         </p:txBody>
       </p:sp>
@@ -2336,7 +2317,7 @@
           <a:p>
             <a:pPr lvl="0"/>
             <a:r>
-              <a:rPr lang="pt-BR" smtClean="0"/>
+              <a:rPr lang="pt-BR"/>
               <a:t>Editar estilos de texto Mestre</a:t>
             </a:r>
           </a:p>
@@ -2359,7 +2340,7 @@
           <a:p>
             <a:fld id="{8B31FE20-8E67-4551-B1EA-E1922B42A83B}" type="datetimeFigureOut">
               <a:rPr lang="pt-BR" smtClean="0"/>
-              <a:t>03/04/2022</a:t>
+              <a:t>29/10/2023</a:t>
             </a:fld>
             <a:endParaRPr lang="pt-BR"/>
           </a:p>
@@ -2468,10 +2449,9 @@
           <a:lstStyle/>
           <a:p>
             <a:r>
-              <a:rPr lang="pt-BR" smtClean="0"/>
+              <a:rPr lang="pt-BR"/>
               <a:t>Clique para editar o título mestre</a:t>
             </a:r>
-            <a:endParaRPr lang="pt-BR"/>
           </a:p>
         </p:txBody>
       </p:sp>
@@ -2502,38 +2482,37 @@
           <a:p>
             <a:pPr lvl="0"/>
             <a:r>
-              <a:rPr lang="pt-BR" smtClean="0"/>
+              <a:rPr lang="pt-BR"/>
               <a:t>Editar estilos de texto Mestre</a:t>
             </a:r>
           </a:p>
           <a:p>
             <a:pPr lvl="1"/>
             <a:r>
-              <a:rPr lang="pt-BR" smtClean="0"/>
+              <a:rPr lang="pt-BR"/>
               <a:t>Segundo nível</a:t>
             </a:r>
           </a:p>
           <a:p>
             <a:pPr lvl="2"/>
             <a:r>
-              <a:rPr lang="pt-BR" smtClean="0"/>
+              <a:rPr lang="pt-BR"/>
               <a:t>Terceiro nível</a:t>
             </a:r>
           </a:p>
           <a:p>
             <a:pPr lvl="3"/>
             <a:r>
-              <a:rPr lang="pt-BR" smtClean="0"/>
+              <a:rPr lang="pt-BR"/>
               <a:t>Quarto nível</a:t>
             </a:r>
           </a:p>
           <a:p>
             <a:pPr lvl="4"/>
             <a:r>
-              <a:rPr lang="pt-BR" smtClean="0"/>
+              <a:rPr lang="pt-BR"/>
               <a:t>Quinto nível</a:t>
             </a:r>
-            <a:endParaRPr lang="pt-BR"/>
           </a:p>
         </p:txBody>
       </p:sp>
@@ -2572,7 +2551,7 @@
           <a:p>
             <a:fld id="{8B31FE20-8E67-4551-B1EA-E1922B42A83B}" type="datetimeFigureOut">
               <a:rPr lang="pt-BR" smtClean="0"/>
-              <a:t>03/04/2022</a:t>
+              <a:t>29/10/2023</a:t>
             </a:fld>
             <a:endParaRPr lang="pt-BR"/>
           </a:p>
@@ -2989,8 +2968,8 @@
         </p:nvSpPr>
         <p:spPr>
           <a:xfrm>
-            <a:off x="1689100" y="144463"/>
-            <a:ext cx="9144000" cy="2387600"/>
+            <a:off x="2486959" y="1972233"/>
+            <a:ext cx="9144000" cy="1312863"/>
           </a:xfrm>
         </p:spPr>
         <p:txBody>
@@ -3000,14 +2979,11 @@
           <a:lstStyle/>
           <a:p>
             <a:r>
-              <a:rPr lang="pt-BR" sz="8000" b="1" dirty="0" smtClean="0">
+              <a:rPr lang="pt-BR" sz="8000" b="1" dirty="0">
                 <a:latin typeface="Arial Black" panose="020B0A04020102020204" pitchFamily="34" charset="0"/>
               </a:rPr>
               <a:t>AUTOR DA VIDA</a:t>
             </a:r>
-            <a:endParaRPr lang="pt-BR" sz="8000" b="1" dirty="0">
-              <a:latin typeface="Arial Black" panose="020B0A04020102020204" pitchFamily="34" charset="0"/>
-            </a:endParaRPr>
           </a:p>
         </p:txBody>
       </p:sp>
@@ -3023,8 +2999,8 @@
         </p:nvSpPr>
         <p:spPr>
           <a:xfrm>
-            <a:off x="1689100" y="4071938"/>
-            <a:ext cx="9144000" cy="1655762"/>
+            <a:off x="6683935" y="3285096"/>
+            <a:ext cx="5508065" cy="1002086"/>
           </a:xfrm>
         </p:spPr>
         <p:txBody>
@@ -3034,14 +3010,11 @@
           <a:lstStyle/>
           <a:p>
             <a:r>
-              <a:rPr lang="pt-BR" sz="6000" b="1" dirty="0" smtClean="0">
+              <a:rPr lang="pt-BR" sz="4000" b="1" u="sng" dirty="0">
                 <a:latin typeface="Arial Black" panose="020B0A04020102020204" pitchFamily="34" charset="0"/>
               </a:rPr>
               <a:t>ALINE BARROS</a:t>
             </a:r>
-            <a:endParaRPr lang="pt-BR" sz="6000" b="1" dirty="0">
-              <a:latin typeface="Arial Black" panose="020B0A04020102020204" pitchFamily="34" charset="0"/>
-            </a:endParaRPr>
           </a:p>
         </p:txBody>
       </p:sp>
@@ -3055,13 +3028,6 @@
   <p:clrMapOvr>
     <a:masterClrMapping/>
   </p:clrMapOvr>
-  <p:timing>
-    <p:tnLst>
-      <p:par>
-        <p:cTn id="1" dur="indefinite" restart="never" nodeType="tmRoot"/>
-      </p:par>
-    </p:tnLst>
-  </p:timing>
 </p:sld>
 </file>
 
@@ -3104,7 +3070,7 @@
           <a:lstStyle/>
           <a:p>
             <a:r>
-              <a:rPr lang="pt-BR" sz="4800" b="1" i="0" dirty="0" smtClean="0">
+              <a:rPr lang="pt-BR" sz="4800" b="1" i="0" dirty="0">
                 <a:solidFill>
                   <a:srgbClr val="2D2D2D"/>
                 </a:solidFill>
@@ -3113,19 +3079,13 @@
               </a:rPr>
               <a:t>TENTARAM ME PARAR, ME FAZER DESISTIR</a:t>
             </a:r>
-            <a:r>
-              <a:rPr lang="pt-BR" sz="4800" b="1" dirty="0" smtClean="0">
-                <a:latin typeface="Arial Black" panose="020B0A04020102020204" pitchFamily="34" charset="0"/>
-              </a:rPr>
-              <a:t/>
-            </a:r>
             <a:br>
-              <a:rPr lang="pt-BR" sz="4800" b="1" dirty="0" smtClean="0">
+              <a:rPr lang="pt-BR" sz="4800" b="1" dirty="0">
                 <a:latin typeface="Arial Black" panose="020B0A04020102020204" pitchFamily="34" charset="0"/>
               </a:rPr>
             </a:br>
             <a:r>
-              <a:rPr lang="pt-BR" sz="4800" b="1" i="0" dirty="0" smtClean="0">
+              <a:rPr lang="pt-BR" sz="4800" b="1" i="0" dirty="0">
                 <a:solidFill>
                   <a:srgbClr val="2D2D2D"/>
                 </a:solidFill>
@@ -3134,19 +3094,13 @@
               </a:rPr>
               <a:t>MAS EU NÃO VOU NEGAR A FÉ QUE HÁ EM MIM</a:t>
             </a:r>
-            <a:r>
-              <a:rPr lang="pt-BR" sz="4800" b="1" dirty="0" smtClean="0">
-                <a:latin typeface="Arial Black" panose="020B0A04020102020204" pitchFamily="34" charset="0"/>
-              </a:rPr>
-              <a:t/>
-            </a:r>
             <a:br>
-              <a:rPr lang="pt-BR" sz="4800" b="1" dirty="0" smtClean="0">
+              <a:rPr lang="pt-BR" sz="4800" b="1" dirty="0">
                 <a:latin typeface="Arial Black" panose="020B0A04020102020204" pitchFamily="34" charset="0"/>
               </a:rPr>
             </a:br>
             <a:r>
-              <a:rPr lang="pt-BR" sz="4800" b="1" i="0" dirty="0" smtClean="0">
+              <a:rPr lang="pt-BR" sz="4800" b="1" i="0" dirty="0">
                 <a:solidFill>
                   <a:srgbClr val="2D2D2D"/>
                 </a:solidFill>
@@ -3155,19 +3109,13 @@
               </a:rPr>
               <a:t>EU TENHO A MISSÃO, EU VOU SEGUIR JESUS</a:t>
             </a:r>
-            <a:r>
-              <a:rPr lang="pt-BR" sz="4800" b="1" dirty="0" smtClean="0">
-                <a:latin typeface="Arial Black" panose="020B0A04020102020204" pitchFamily="34" charset="0"/>
-              </a:rPr>
-              <a:t/>
-            </a:r>
             <a:br>
-              <a:rPr lang="pt-BR" sz="4800" b="1" dirty="0" smtClean="0">
+              <a:rPr lang="pt-BR" sz="4800" b="1" dirty="0">
                 <a:latin typeface="Arial Black" panose="020B0A04020102020204" pitchFamily="34" charset="0"/>
               </a:rPr>
             </a:br>
             <a:r>
-              <a:rPr lang="pt-BR" sz="4800" b="1" i="0" dirty="0" smtClean="0">
+              <a:rPr lang="pt-BR" sz="4800" b="1" i="0" dirty="0">
                 <a:solidFill>
                   <a:srgbClr val="2D2D2D"/>
                 </a:solidFill>
@@ -3192,13 +3140,6 @@
   <p:clrMapOvr>
     <a:masterClrMapping/>
   </p:clrMapOvr>
-  <p:timing>
-    <p:tnLst>
-      <p:par>
-        <p:cTn id="1" dur="indefinite" restart="never" nodeType="tmRoot"/>
-      </p:par>
-    </p:tnLst>
-  </p:timing>
 </p:sld>
 </file>
 
@@ -3241,7 +3182,7 @@
           <a:lstStyle/>
           <a:p>
             <a:r>
-              <a:rPr lang="pt-BR" sz="5400" b="1" i="0" dirty="0" smtClean="0">
+              <a:rPr lang="pt-BR" sz="5400" b="1" i="0" dirty="0">
                 <a:solidFill>
                   <a:srgbClr val="2D2D2D"/>
                 </a:solidFill>
@@ -3250,19 +3191,13 @@
               </a:rPr>
               <a:t>MESMO QUE PEDRAS VENHAM CONTRA MIM</a:t>
             </a:r>
-            <a:r>
-              <a:rPr lang="pt-BR" sz="5400" b="1" dirty="0" smtClean="0">
-                <a:latin typeface="Arial Black" panose="020B0A04020102020204" pitchFamily="34" charset="0"/>
-              </a:rPr>
-              <a:t/>
-            </a:r>
             <a:br>
-              <a:rPr lang="pt-BR" sz="5400" b="1" dirty="0" smtClean="0">
+              <a:rPr lang="pt-BR" sz="5400" b="1" dirty="0">
                 <a:latin typeface="Arial Black" panose="020B0A04020102020204" pitchFamily="34" charset="0"/>
               </a:rPr>
             </a:br>
             <a:r>
-              <a:rPr lang="pt-BR" sz="5400" b="1" i="0" dirty="0" smtClean="0">
+              <a:rPr lang="pt-BR" sz="5400" b="1" i="0" dirty="0">
                 <a:solidFill>
                   <a:srgbClr val="2D2D2D"/>
                 </a:solidFill>
@@ -3271,19 +3206,13 @@
               </a:rPr>
               <a:t>E COM PALAVRAS QUEIRAM ME INTIMIDAR</a:t>
             </a:r>
-            <a:r>
-              <a:rPr lang="pt-BR" sz="5400" b="1" dirty="0" smtClean="0">
-                <a:latin typeface="Arial Black" panose="020B0A04020102020204" pitchFamily="34" charset="0"/>
-              </a:rPr>
-              <a:t/>
-            </a:r>
             <a:br>
-              <a:rPr lang="pt-BR" sz="5400" b="1" dirty="0" smtClean="0">
+              <a:rPr lang="pt-BR" sz="5400" b="1" dirty="0">
                 <a:latin typeface="Arial Black" panose="020B0A04020102020204" pitchFamily="34" charset="0"/>
               </a:rPr>
             </a:br>
             <a:r>
-              <a:rPr lang="pt-BR" sz="5400" b="1" i="0" dirty="0" smtClean="0">
+              <a:rPr lang="pt-BR" sz="5400" b="1" i="0" dirty="0">
                 <a:solidFill>
                   <a:srgbClr val="2D2D2D"/>
                 </a:solidFill>
@@ -3292,19 +3221,13 @@
               </a:rPr>
               <a:t>MAIOR É AQUELE QUE ESTÁ EM MIM</a:t>
             </a:r>
-            <a:r>
-              <a:rPr lang="pt-BR" sz="5400" b="1" dirty="0" smtClean="0">
-                <a:latin typeface="Arial Black" panose="020B0A04020102020204" pitchFamily="34" charset="0"/>
-              </a:rPr>
-              <a:t/>
-            </a:r>
             <a:br>
-              <a:rPr lang="pt-BR" sz="5400" b="1" dirty="0" smtClean="0">
+              <a:rPr lang="pt-BR" sz="5400" b="1" dirty="0">
                 <a:latin typeface="Arial Black" panose="020B0A04020102020204" pitchFamily="34" charset="0"/>
               </a:rPr>
             </a:br>
             <a:r>
-              <a:rPr lang="pt-BR" sz="5400" b="1" i="0" dirty="0" smtClean="0">
+              <a:rPr lang="pt-BR" sz="5400" b="1" i="0" dirty="0">
                 <a:solidFill>
                   <a:srgbClr val="2D2D2D"/>
                 </a:solidFill>
@@ -3329,13 +3252,6 @@
   <p:clrMapOvr>
     <a:masterClrMapping/>
   </p:clrMapOvr>
-  <p:timing>
-    <p:tnLst>
-      <p:par>
-        <p:cTn id="1" dur="indefinite" restart="never" nodeType="tmRoot"/>
-      </p:par>
-    </p:tnLst>
-  </p:timing>
 </p:sld>
 </file>
 
@@ -3378,7 +3294,7 @@
           <a:lstStyle/>
           <a:p>
             <a:r>
-              <a:rPr lang="pt-BR" sz="5400" b="1" i="0" dirty="0" smtClean="0">
+              <a:rPr lang="pt-BR" sz="5400" b="1" i="0" dirty="0">
                 <a:solidFill>
                   <a:srgbClr val="2D2D2D"/>
                 </a:solidFill>
@@ -3387,19 +3303,13 @@
               </a:rPr>
               <a:t>EU OLHO PRA JESUS, PRO AMOR DE DEUS NA CRUZ</a:t>
             </a:r>
-            <a:r>
-              <a:rPr lang="pt-BR" sz="5400" b="1" dirty="0" smtClean="0">
-                <a:latin typeface="Arial Black" panose="020B0A04020102020204" pitchFamily="34" charset="0"/>
-              </a:rPr>
-              <a:t/>
-            </a:r>
             <a:br>
-              <a:rPr lang="pt-BR" sz="5400" b="1" dirty="0" smtClean="0">
+              <a:rPr lang="pt-BR" sz="5400" b="1" dirty="0">
                 <a:latin typeface="Arial Black" panose="020B0A04020102020204" pitchFamily="34" charset="0"/>
               </a:rPr>
             </a:br>
             <a:r>
-              <a:rPr lang="pt-BR" sz="5400" b="1" i="0" dirty="0" smtClean="0">
+              <a:rPr lang="pt-BR" sz="5400" b="1" i="0" dirty="0">
                 <a:solidFill>
                   <a:srgbClr val="2D2D2D"/>
                 </a:solidFill>
@@ -3408,19 +3318,13 @@
               </a:rPr>
               <a:t>EU CLAMO ABA PAI, OH, VEM COM SEU PODER</a:t>
             </a:r>
-            <a:r>
-              <a:rPr lang="pt-BR" sz="5400" b="1" dirty="0" smtClean="0">
-                <a:latin typeface="Arial Black" panose="020B0A04020102020204" pitchFamily="34" charset="0"/>
-              </a:rPr>
-              <a:t/>
-            </a:r>
             <a:br>
-              <a:rPr lang="pt-BR" sz="5400" b="1" dirty="0" smtClean="0">
+              <a:rPr lang="pt-BR" sz="5400" b="1" dirty="0">
                 <a:latin typeface="Arial Black" panose="020B0A04020102020204" pitchFamily="34" charset="0"/>
               </a:rPr>
             </a:br>
             <a:r>
-              <a:rPr lang="pt-BR" sz="5400" b="1" i="0" dirty="0" smtClean="0">
+              <a:rPr lang="pt-BR" sz="5400" b="1" i="0" dirty="0">
                 <a:solidFill>
                   <a:srgbClr val="2D2D2D"/>
                 </a:solidFill>
@@ -3429,19 +3333,13 @@
               </a:rPr>
               <a:t>EU OLHO PRA JESUS, PRO AMOR DE DEUS NA CRUZ</a:t>
             </a:r>
-            <a:r>
-              <a:rPr lang="pt-BR" sz="5400" b="1" dirty="0" smtClean="0">
-                <a:latin typeface="Arial Black" panose="020B0A04020102020204" pitchFamily="34" charset="0"/>
-              </a:rPr>
-              <a:t/>
-            </a:r>
             <a:br>
-              <a:rPr lang="pt-BR" sz="5400" b="1" dirty="0" smtClean="0">
+              <a:rPr lang="pt-BR" sz="5400" b="1" dirty="0">
                 <a:latin typeface="Arial Black" panose="020B0A04020102020204" pitchFamily="34" charset="0"/>
               </a:rPr>
             </a:br>
             <a:r>
-              <a:rPr lang="pt-BR" sz="5400" b="1" i="0" dirty="0" smtClean="0">
+              <a:rPr lang="pt-BR" sz="5400" b="1" i="0" dirty="0">
                 <a:solidFill>
                   <a:srgbClr val="2D2D2D"/>
                 </a:solidFill>
@@ -3466,13 +3364,6 @@
   <p:clrMapOvr>
     <a:masterClrMapping/>
   </p:clrMapOvr>
-  <p:timing>
-    <p:tnLst>
-      <p:par>
-        <p:cTn id="1" dur="indefinite" restart="never" nodeType="tmRoot"/>
-      </p:par>
-    </p:tnLst>
-  </p:timing>
 </p:sld>
 </file>
 
@@ -3515,7 +3406,7 @@
           <a:lstStyle/>
           <a:p>
             <a:r>
-              <a:rPr lang="pt-BR" sz="5400" b="1" i="0" dirty="0" smtClean="0">
+              <a:rPr lang="pt-BR" sz="5400" b="1" i="0" dirty="0">
                 <a:solidFill>
                   <a:srgbClr val="2D2D2D"/>
                 </a:solidFill>
@@ -3524,19 +3415,13 @@
               </a:rPr>
               <a:t>MESMO QUE PEDRAS VENHAM CONTRA MIM</a:t>
             </a:r>
-            <a:r>
-              <a:rPr lang="pt-BR" sz="5400" b="1" dirty="0" smtClean="0">
-                <a:latin typeface="Arial Black" panose="020B0A04020102020204" pitchFamily="34" charset="0"/>
-              </a:rPr>
-              <a:t/>
-            </a:r>
             <a:br>
-              <a:rPr lang="pt-BR" sz="5400" b="1" dirty="0" smtClean="0">
+              <a:rPr lang="pt-BR" sz="5400" b="1" dirty="0">
                 <a:latin typeface="Arial Black" panose="020B0A04020102020204" pitchFamily="34" charset="0"/>
               </a:rPr>
             </a:br>
             <a:r>
-              <a:rPr lang="pt-BR" sz="5400" b="1" i="0" dirty="0" smtClean="0">
+              <a:rPr lang="pt-BR" sz="5400" b="1" i="0" dirty="0">
                 <a:solidFill>
                   <a:srgbClr val="2D2D2D"/>
                 </a:solidFill>
@@ -3545,19 +3430,13 @@
               </a:rPr>
               <a:t>E COM PALAVRAS QUEIRAM ME INTIMIDAR</a:t>
             </a:r>
-            <a:r>
-              <a:rPr lang="pt-BR" sz="5400" b="1" dirty="0" smtClean="0">
-                <a:latin typeface="Arial Black" panose="020B0A04020102020204" pitchFamily="34" charset="0"/>
-              </a:rPr>
-              <a:t/>
-            </a:r>
             <a:br>
-              <a:rPr lang="pt-BR" sz="5400" b="1" dirty="0" smtClean="0">
+              <a:rPr lang="pt-BR" sz="5400" b="1" dirty="0">
                 <a:latin typeface="Arial Black" panose="020B0A04020102020204" pitchFamily="34" charset="0"/>
               </a:rPr>
             </a:br>
             <a:r>
-              <a:rPr lang="pt-BR" sz="5400" b="1" i="0" dirty="0" smtClean="0">
+              <a:rPr lang="pt-BR" sz="5400" b="1" i="0" dirty="0">
                 <a:solidFill>
                   <a:srgbClr val="2D2D2D"/>
                 </a:solidFill>
@@ -3566,19 +3445,13 @@
               </a:rPr>
               <a:t>MAIOR É AQUELE QUE ESTÁ EM MIM</a:t>
             </a:r>
-            <a:r>
-              <a:rPr lang="pt-BR" sz="5400" b="1" dirty="0" smtClean="0">
-                <a:latin typeface="Arial Black" panose="020B0A04020102020204" pitchFamily="34" charset="0"/>
-              </a:rPr>
-              <a:t/>
-            </a:r>
             <a:br>
-              <a:rPr lang="pt-BR" sz="5400" b="1" dirty="0" smtClean="0">
+              <a:rPr lang="pt-BR" sz="5400" b="1" dirty="0">
                 <a:latin typeface="Arial Black" panose="020B0A04020102020204" pitchFamily="34" charset="0"/>
               </a:rPr>
             </a:br>
             <a:r>
-              <a:rPr lang="pt-BR" sz="5400" b="1" i="0" dirty="0" smtClean="0">
+              <a:rPr lang="pt-BR" sz="5400" b="1" i="0" dirty="0">
                 <a:solidFill>
                   <a:srgbClr val="2D2D2D"/>
                 </a:solidFill>
@@ -3603,13 +3476,6 @@
   <p:clrMapOvr>
     <a:masterClrMapping/>
   </p:clrMapOvr>
-  <p:timing>
-    <p:tnLst>
-      <p:par>
-        <p:cTn id="1" dur="indefinite" restart="never" nodeType="tmRoot"/>
-      </p:par>
-    </p:tnLst>
-  </p:timing>
 </p:sld>
 </file>
 
@@ -3652,7 +3518,7 @@
           <a:lstStyle/>
           <a:p>
             <a:r>
-              <a:rPr lang="pt-BR" sz="5400" b="1" i="0" dirty="0" smtClean="0">
+              <a:rPr lang="pt-BR" sz="5400" b="1" i="0" dirty="0">
                 <a:solidFill>
                   <a:srgbClr val="2D2D2D"/>
                 </a:solidFill>
@@ -3661,19 +3527,13 @@
               </a:rPr>
               <a:t>EU OLHO PRA JESUS, PRO AMOR DE DEUS NA CRUZ</a:t>
             </a:r>
-            <a:r>
-              <a:rPr lang="pt-BR" sz="5400" b="1" dirty="0" smtClean="0">
-                <a:latin typeface="Arial Black" panose="020B0A04020102020204" pitchFamily="34" charset="0"/>
-              </a:rPr>
-              <a:t/>
-            </a:r>
             <a:br>
-              <a:rPr lang="pt-BR" sz="5400" b="1" dirty="0" smtClean="0">
+              <a:rPr lang="pt-BR" sz="5400" b="1" dirty="0">
                 <a:latin typeface="Arial Black" panose="020B0A04020102020204" pitchFamily="34" charset="0"/>
               </a:rPr>
             </a:br>
             <a:r>
-              <a:rPr lang="pt-BR" sz="5400" b="1" i="0" dirty="0" smtClean="0">
+              <a:rPr lang="pt-BR" sz="5400" b="1" i="0" dirty="0">
                 <a:solidFill>
                   <a:srgbClr val="2D2D2D"/>
                 </a:solidFill>
@@ -3682,19 +3542,13 @@
               </a:rPr>
               <a:t>EU CLAMO ABA PAI, OH, VEM COM SEU PODER</a:t>
             </a:r>
-            <a:r>
-              <a:rPr lang="pt-BR" sz="5400" b="1" dirty="0" smtClean="0">
-                <a:latin typeface="Arial Black" panose="020B0A04020102020204" pitchFamily="34" charset="0"/>
-              </a:rPr>
-              <a:t/>
-            </a:r>
             <a:br>
-              <a:rPr lang="pt-BR" sz="5400" b="1" dirty="0" smtClean="0">
+              <a:rPr lang="pt-BR" sz="5400" b="1" dirty="0">
                 <a:latin typeface="Arial Black" panose="020B0A04020102020204" pitchFamily="34" charset="0"/>
               </a:rPr>
             </a:br>
             <a:r>
-              <a:rPr lang="pt-BR" sz="5400" b="1" i="0" dirty="0" smtClean="0">
+              <a:rPr lang="pt-BR" sz="5400" b="1" i="0" dirty="0">
                 <a:solidFill>
                   <a:srgbClr val="2D2D2D"/>
                 </a:solidFill>
@@ -3703,19 +3557,13 @@
               </a:rPr>
               <a:t>EU OLHO PRA JESUS, PRO AMOR DE DEUS NA CRUZ</a:t>
             </a:r>
-            <a:r>
-              <a:rPr lang="pt-BR" sz="5400" b="1" dirty="0" smtClean="0">
-                <a:latin typeface="Arial Black" panose="020B0A04020102020204" pitchFamily="34" charset="0"/>
-              </a:rPr>
-              <a:t/>
-            </a:r>
             <a:br>
-              <a:rPr lang="pt-BR" sz="5400" b="1" dirty="0" smtClean="0">
+              <a:rPr lang="pt-BR" sz="5400" b="1" dirty="0">
                 <a:latin typeface="Arial Black" panose="020B0A04020102020204" pitchFamily="34" charset="0"/>
               </a:rPr>
             </a:br>
             <a:r>
-              <a:rPr lang="pt-BR" sz="5400" b="1" i="0" dirty="0" smtClean="0">
+              <a:rPr lang="pt-BR" sz="5400" b="1" i="0" dirty="0">
                 <a:solidFill>
                   <a:srgbClr val="2D2D2D"/>
                 </a:solidFill>
@@ -3740,13 +3588,6 @@
   <p:clrMapOvr>
     <a:masterClrMapping/>
   </p:clrMapOvr>
-  <p:timing>
-    <p:tnLst>
-      <p:par>
-        <p:cTn id="1" dur="indefinite" restart="never" nodeType="tmRoot"/>
-      </p:par>
-    </p:tnLst>
-  </p:timing>
 </p:sld>
 </file>
 
@@ -3789,7 +3630,7 @@
           <a:lstStyle/>
           <a:p>
             <a:r>
-              <a:rPr lang="pt-BR" sz="6000" b="1" i="0" dirty="0" smtClean="0">
+              <a:rPr lang="pt-BR" sz="6000" b="1" i="0" dirty="0">
                 <a:solidFill>
                   <a:srgbClr val="2D2D2D"/>
                 </a:solidFill>
@@ -3798,19 +3639,13 @@
               </a:rPr>
               <a:t>PODE O SILÊNCIO ATÉ</a:t>
             </a:r>
-            <a:r>
-              <a:rPr lang="pt-BR" sz="6000" b="1" dirty="0" smtClean="0">
-                <a:latin typeface="Arial Black" panose="020B0A04020102020204" pitchFamily="34" charset="0"/>
-              </a:rPr>
-              <a:t/>
-            </a:r>
             <a:br>
-              <a:rPr lang="pt-BR" sz="6000" b="1" dirty="0" smtClean="0">
+              <a:rPr lang="pt-BR" sz="6000" b="1" dirty="0">
                 <a:latin typeface="Arial Black" panose="020B0A04020102020204" pitchFamily="34" charset="0"/>
               </a:rPr>
             </a:br>
             <a:r>
-              <a:rPr lang="pt-BR" sz="6000" b="1" i="0" dirty="0" smtClean="0">
+              <a:rPr lang="pt-BR" sz="6000" b="1" i="0" dirty="0">
                 <a:solidFill>
                   <a:srgbClr val="2D2D2D"/>
                 </a:solidFill>
@@ -3819,19 +3654,13 @@
               </a:rPr>
               <a:t>GRITAR QUE DEUS ME ABANDONOU</a:t>
             </a:r>
-            <a:r>
-              <a:rPr lang="pt-BR" sz="6000" b="1" dirty="0" smtClean="0">
-                <a:latin typeface="Arial Black" panose="020B0A04020102020204" pitchFamily="34" charset="0"/>
-              </a:rPr>
-              <a:t/>
-            </a:r>
             <a:br>
-              <a:rPr lang="pt-BR" sz="6000" b="1" dirty="0" smtClean="0">
+              <a:rPr lang="pt-BR" sz="6000" b="1" dirty="0">
                 <a:latin typeface="Arial Black" panose="020B0A04020102020204" pitchFamily="34" charset="0"/>
               </a:rPr>
             </a:br>
             <a:r>
-              <a:rPr lang="pt-BR" sz="6000" b="1" i="0" dirty="0" smtClean="0">
+              <a:rPr lang="pt-BR" sz="6000" b="1" i="0" dirty="0">
                 <a:solidFill>
                   <a:srgbClr val="2D2D2D"/>
                 </a:solidFill>
@@ -3840,19 +3669,13 @@
               </a:rPr>
               <a:t>EU VIVO PELA FÉ</a:t>
             </a:r>
-            <a:r>
-              <a:rPr lang="pt-BR" sz="6000" b="1" dirty="0" smtClean="0">
-                <a:latin typeface="Arial Black" panose="020B0A04020102020204" pitchFamily="34" charset="0"/>
-              </a:rPr>
-              <a:t/>
-            </a:r>
             <a:br>
-              <a:rPr lang="pt-BR" sz="6000" b="1" dirty="0" smtClean="0">
+              <a:rPr lang="pt-BR" sz="6000" b="1" dirty="0">
                 <a:latin typeface="Arial Black" panose="020B0A04020102020204" pitchFamily="34" charset="0"/>
               </a:rPr>
             </a:br>
             <a:r>
-              <a:rPr lang="pt-BR" sz="6000" b="1" i="0" dirty="0" smtClean="0">
+              <a:rPr lang="pt-BR" sz="6000" b="1" i="0" dirty="0">
                 <a:solidFill>
                   <a:srgbClr val="2D2D2D"/>
                 </a:solidFill>
@@ -3861,19 +3684,13 @@
               </a:rPr>
               <a:t>E TENHO UM DEUS QUE ESTENDE A MÃO</a:t>
             </a:r>
-            <a:r>
-              <a:rPr lang="pt-BR" sz="6000" b="1" dirty="0" smtClean="0">
-                <a:latin typeface="Arial Black" panose="020B0A04020102020204" pitchFamily="34" charset="0"/>
-              </a:rPr>
-              <a:t/>
-            </a:r>
             <a:br>
-              <a:rPr lang="pt-BR" sz="6000" b="1" dirty="0" smtClean="0">
+              <a:rPr lang="pt-BR" sz="6000" b="1" dirty="0">
                 <a:latin typeface="Arial Black" panose="020B0A04020102020204" pitchFamily="34" charset="0"/>
               </a:rPr>
             </a:br>
             <a:r>
-              <a:rPr lang="pt-BR" sz="6000" b="1" i="0" dirty="0" smtClean="0">
+              <a:rPr lang="pt-BR" sz="6000" b="1" i="0" dirty="0">
                 <a:solidFill>
                   <a:srgbClr val="2D2D2D"/>
                 </a:solidFill>
@@ -3898,13 +3715,6 @@
   <p:clrMapOvr>
     <a:masterClrMapping/>
   </p:clrMapOvr>
-  <p:timing>
-    <p:tnLst>
-      <p:par>
-        <p:cTn id="1" dur="indefinite" restart="never" nodeType="tmRoot"/>
-      </p:par>
-    </p:tnLst>
-  </p:timing>
 </p:sld>
 </file>
 
@@ -3947,7 +3757,7 @@
           <a:lstStyle/>
           <a:p>
             <a:r>
-              <a:rPr lang="pt-BR" sz="4400" b="1" i="0" dirty="0" smtClean="0">
+              <a:rPr lang="pt-BR" sz="4400" b="1" i="0" dirty="0">
                 <a:solidFill>
                   <a:srgbClr val="2D2D2D"/>
                 </a:solidFill>
@@ -3956,19 +3766,13 @@
               </a:rPr>
               <a:t>SEI EM QUEM EU TENHO CRIDO</a:t>
             </a:r>
-            <a:r>
-              <a:rPr lang="pt-BR" sz="4400" b="1" dirty="0" smtClean="0">
-                <a:latin typeface="Arial Black" panose="020B0A04020102020204" pitchFamily="34" charset="0"/>
-              </a:rPr>
-              <a:t/>
-            </a:r>
             <a:br>
-              <a:rPr lang="pt-BR" sz="4400" b="1" dirty="0" smtClean="0">
+              <a:rPr lang="pt-BR" sz="4400" b="1" dirty="0">
                 <a:latin typeface="Arial Black" panose="020B0A04020102020204" pitchFamily="34" charset="0"/>
               </a:rPr>
             </a:br>
             <a:r>
-              <a:rPr lang="pt-BR" sz="4400" b="1" i="0" dirty="0" smtClean="0">
+              <a:rPr lang="pt-BR" sz="4400" b="1" i="0" dirty="0">
                 <a:solidFill>
                   <a:srgbClr val="2D2D2D"/>
                 </a:solidFill>
@@ -3977,19 +3781,13 @@
               </a:rPr>
               <a:t>E QUE É PODEROSO PRA FAZER ALÉM</a:t>
             </a:r>
-            <a:r>
-              <a:rPr lang="pt-BR" sz="4400" b="1" dirty="0" smtClean="0">
-                <a:latin typeface="Arial Black" panose="020B0A04020102020204" pitchFamily="34" charset="0"/>
-              </a:rPr>
-              <a:t/>
-            </a:r>
             <a:br>
-              <a:rPr lang="pt-BR" sz="4400" b="1" dirty="0" smtClean="0">
+              <a:rPr lang="pt-BR" sz="4400" b="1" dirty="0">
                 <a:latin typeface="Arial Black" panose="020B0A04020102020204" pitchFamily="34" charset="0"/>
               </a:rPr>
             </a:br>
             <a:r>
-              <a:rPr lang="pt-BR" sz="4400" b="1" i="0" dirty="0" smtClean="0">
+              <a:rPr lang="pt-BR" sz="4400" b="1" i="0" dirty="0">
                 <a:solidFill>
                   <a:srgbClr val="2D2D2D"/>
                 </a:solidFill>
@@ -3998,19 +3796,13 @@
               </a:rPr>
               <a:t>E ESSA É A HORA, DEUS TOCA, RENOVA, TRANSFORMA</a:t>
             </a:r>
-            <a:r>
-              <a:rPr lang="pt-BR" sz="4400" b="1" dirty="0" smtClean="0">
-                <a:latin typeface="Arial Black" panose="020B0A04020102020204" pitchFamily="34" charset="0"/>
-              </a:rPr>
-              <a:t/>
-            </a:r>
             <a:br>
-              <a:rPr lang="pt-BR" sz="4400" b="1" dirty="0" smtClean="0">
+              <a:rPr lang="pt-BR" sz="4400" b="1" dirty="0">
                 <a:latin typeface="Arial Black" panose="020B0A04020102020204" pitchFamily="34" charset="0"/>
               </a:rPr>
             </a:br>
             <a:r>
-              <a:rPr lang="pt-BR" sz="4400" b="1" i="0" dirty="0" smtClean="0">
+              <a:rPr lang="pt-BR" sz="4400" b="1" i="0" dirty="0">
                 <a:solidFill>
                   <a:srgbClr val="2D2D2D"/>
                 </a:solidFill>
@@ -4019,19 +3811,13 @@
               </a:rPr>
               <a:t>TENHO VIDA EM DEUS, VIDA EM DEUS</a:t>
             </a:r>
-            <a:r>
-              <a:rPr lang="pt-BR" sz="4400" b="1" dirty="0" smtClean="0">
-                <a:latin typeface="Arial Black" panose="020B0A04020102020204" pitchFamily="34" charset="0"/>
-              </a:rPr>
-              <a:t/>
-            </a:r>
             <a:br>
-              <a:rPr lang="pt-BR" sz="4400" b="1" dirty="0" smtClean="0">
+              <a:rPr lang="pt-BR" sz="4400" b="1" dirty="0">
                 <a:latin typeface="Arial Black" panose="020B0A04020102020204" pitchFamily="34" charset="0"/>
               </a:rPr>
             </a:br>
             <a:r>
-              <a:rPr lang="pt-BR" sz="4400" b="1" i="0" dirty="0" smtClean="0">
+              <a:rPr lang="pt-BR" sz="4400" b="1" i="0" dirty="0">
                 <a:solidFill>
                   <a:srgbClr val="2D2D2D"/>
                 </a:solidFill>
@@ -4040,19 +3826,13 @@
               </a:rPr>
               <a:t>TENHO FORÇA EM DEUS, ESPERANÇA EM DEUS</a:t>
             </a:r>
-            <a:r>
-              <a:rPr lang="pt-BR" sz="4400" b="1" dirty="0" smtClean="0">
-                <a:latin typeface="Arial Black" panose="020B0A04020102020204" pitchFamily="34" charset="0"/>
-              </a:rPr>
-              <a:t/>
-            </a:r>
             <a:br>
-              <a:rPr lang="pt-BR" sz="4400" b="1" dirty="0" smtClean="0">
+              <a:rPr lang="pt-BR" sz="4400" b="1" dirty="0">
                 <a:latin typeface="Arial Black" panose="020B0A04020102020204" pitchFamily="34" charset="0"/>
               </a:rPr>
             </a:br>
             <a:r>
-              <a:rPr lang="pt-BR" sz="4400" b="1" i="0" dirty="0" smtClean="0">
+              <a:rPr lang="pt-BR" sz="4400" b="1" i="0" dirty="0">
                 <a:solidFill>
                   <a:srgbClr val="2D2D2D"/>
                 </a:solidFill>
@@ -4077,13 +3857,6 @@
   <p:clrMapOvr>
     <a:masterClrMapping/>
   </p:clrMapOvr>
-  <p:timing>
-    <p:tnLst>
-      <p:par>
-        <p:cTn id="1" dur="indefinite" restart="never" nodeType="tmRoot"/>
-      </p:par>
-    </p:tnLst>
-  </p:timing>
 </p:sld>
 </file>
 
@@ -4126,7 +3899,7 @@
           <a:lstStyle/>
           <a:p>
             <a:r>
-              <a:rPr lang="pt-BR" sz="4800" b="1" i="0" dirty="0" smtClean="0">
+              <a:rPr lang="pt-BR" sz="4800" b="1" i="0" dirty="0">
                 <a:solidFill>
                   <a:srgbClr val="2D2D2D"/>
                 </a:solidFill>
@@ -4135,19 +3908,13 @@
               </a:rPr>
               <a:t>EU OLHO PRA JESUS, PRO AMOR DE DEUS NA CRUZ</a:t>
             </a:r>
-            <a:r>
-              <a:rPr lang="pt-BR" sz="4800" b="1" dirty="0" smtClean="0">
-                <a:latin typeface="Arial Black" panose="020B0A04020102020204" pitchFamily="34" charset="0"/>
-              </a:rPr>
-              <a:t/>
-            </a:r>
             <a:br>
-              <a:rPr lang="pt-BR" sz="4800" b="1" dirty="0" smtClean="0">
+              <a:rPr lang="pt-BR" sz="4800" b="1" dirty="0">
                 <a:latin typeface="Arial Black" panose="020B0A04020102020204" pitchFamily="34" charset="0"/>
               </a:rPr>
             </a:br>
             <a:r>
-              <a:rPr lang="pt-BR" sz="4800" b="1" i="0" dirty="0" smtClean="0">
+              <a:rPr lang="pt-BR" sz="4800" b="1" i="0" dirty="0">
                 <a:solidFill>
                   <a:srgbClr val="2D2D2D"/>
                 </a:solidFill>
@@ -4156,19 +3923,13 @@
               </a:rPr>
               <a:t>EU CLAMO ABA PAI, OH, VEM COM SEU PODER</a:t>
             </a:r>
-            <a:r>
-              <a:rPr lang="pt-BR" sz="4800" b="1" dirty="0" smtClean="0">
-                <a:latin typeface="Arial Black" panose="020B0A04020102020204" pitchFamily="34" charset="0"/>
-              </a:rPr>
-              <a:t/>
-            </a:r>
             <a:br>
-              <a:rPr lang="pt-BR" sz="4800" b="1" dirty="0" smtClean="0">
+              <a:rPr lang="pt-BR" sz="4800" b="1" dirty="0">
                 <a:latin typeface="Arial Black" panose="020B0A04020102020204" pitchFamily="34" charset="0"/>
               </a:rPr>
             </a:br>
             <a:r>
-              <a:rPr lang="pt-BR" sz="4800" b="1" i="0" dirty="0" smtClean="0">
+              <a:rPr lang="pt-BR" sz="4800" b="1" i="0" dirty="0">
                 <a:solidFill>
                   <a:srgbClr val="2D2D2D"/>
                 </a:solidFill>
@@ -4177,19 +3938,13 @@
               </a:rPr>
               <a:t>EU OLHO PRA JESUS, PRO AMOR DE DEUS NAQUELA CRUZ</a:t>
             </a:r>
-            <a:r>
-              <a:rPr lang="pt-BR" sz="4800" b="1" dirty="0" smtClean="0">
-                <a:latin typeface="Arial Black" panose="020B0A04020102020204" pitchFamily="34" charset="0"/>
-              </a:rPr>
-              <a:t/>
-            </a:r>
             <a:br>
-              <a:rPr lang="pt-BR" sz="4800" b="1" dirty="0" smtClean="0">
+              <a:rPr lang="pt-BR" sz="4800" b="1" dirty="0">
                 <a:latin typeface="Arial Black" panose="020B0A04020102020204" pitchFamily="34" charset="0"/>
               </a:rPr>
             </a:br>
             <a:r>
-              <a:rPr lang="pt-BR" sz="4800" b="1" i="0" dirty="0" smtClean="0">
+              <a:rPr lang="pt-BR" sz="4800" b="1" i="0" dirty="0">
                 <a:solidFill>
                   <a:srgbClr val="2D2D2D"/>
                 </a:solidFill>
@@ -4214,13 +3969,6 @@
   <p:clrMapOvr>
     <a:masterClrMapping/>
   </p:clrMapOvr>
-  <p:timing>
-    <p:tnLst>
-      <p:par>
-        <p:cTn id="1" dur="indefinite" restart="never" nodeType="tmRoot"/>
-      </p:par>
-    </p:tnLst>
-  </p:timing>
 </p:sld>
 </file>
 
